--- a/_Lev_How_To_Lose_Weight.pptx
+++ b/_Lev_How_To_Lose_Weight.pptx
@@ -212,7 +212,7 @@
           <a:p>
             <a:fld id="{88E52045-756B-384E-A6E6-7F3ED1EF79B4}" type="datetimeFigureOut">
               <a:rPr lang="en-US" smtClean="0"/>
-              <a:t>2/13/20</a:t>
+              <a:t>2/15/21</a:t>
             </a:fld>
             <a:endParaRPr lang="en-US"/>
           </a:p>
@@ -608,7 +608,7 @@
           <a:p>
             <a:fld id="{B99DC7AF-117D-0D44-9887-15AB809462D7}" type="datetimeFigureOut">
               <a:rPr lang="en-US" smtClean="0"/>
-              <a:t>2/13/20</a:t>
+              <a:t>2/15/21</a:t>
             </a:fld>
             <a:endParaRPr lang="en-US"/>
           </a:p>
@@ -776,7 +776,7 @@
           <a:p>
             <a:fld id="{B99DC7AF-117D-0D44-9887-15AB809462D7}" type="datetimeFigureOut">
               <a:rPr lang="en-US" smtClean="0"/>
-              <a:t>2/13/20</a:t>
+              <a:t>2/15/21</a:t>
             </a:fld>
             <a:endParaRPr lang="en-US"/>
           </a:p>
@@ -954,7 +954,7 @@
           <a:p>
             <a:fld id="{B99DC7AF-117D-0D44-9887-15AB809462D7}" type="datetimeFigureOut">
               <a:rPr lang="en-US" smtClean="0"/>
-              <a:t>2/13/20</a:t>
+              <a:t>2/15/21</a:t>
             </a:fld>
             <a:endParaRPr lang="en-US"/>
           </a:p>
@@ -1122,7 +1122,7 @@
           <a:p>
             <a:fld id="{B99DC7AF-117D-0D44-9887-15AB809462D7}" type="datetimeFigureOut">
               <a:rPr lang="en-US" smtClean="0"/>
-              <a:t>2/13/20</a:t>
+              <a:t>2/15/21</a:t>
             </a:fld>
             <a:endParaRPr lang="en-US"/>
           </a:p>
@@ -1367,7 +1367,7 @@
           <a:p>
             <a:fld id="{B99DC7AF-117D-0D44-9887-15AB809462D7}" type="datetimeFigureOut">
               <a:rPr lang="en-US" smtClean="0"/>
-              <a:t>2/13/20</a:t>
+              <a:t>2/15/21</a:t>
             </a:fld>
             <a:endParaRPr lang="en-US"/>
           </a:p>
@@ -1596,7 +1596,7 @@
           <a:p>
             <a:fld id="{B99DC7AF-117D-0D44-9887-15AB809462D7}" type="datetimeFigureOut">
               <a:rPr lang="en-US" smtClean="0"/>
-              <a:t>2/13/20</a:t>
+              <a:t>2/15/21</a:t>
             </a:fld>
             <a:endParaRPr lang="en-US"/>
           </a:p>
@@ -1960,7 +1960,7 @@
           <a:p>
             <a:fld id="{B99DC7AF-117D-0D44-9887-15AB809462D7}" type="datetimeFigureOut">
               <a:rPr lang="en-US" smtClean="0"/>
-              <a:t>2/13/20</a:t>
+              <a:t>2/15/21</a:t>
             </a:fld>
             <a:endParaRPr lang="en-US"/>
           </a:p>
@@ -2077,7 +2077,7 @@
           <a:p>
             <a:fld id="{B99DC7AF-117D-0D44-9887-15AB809462D7}" type="datetimeFigureOut">
               <a:rPr lang="en-US" smtClean="0"/>
-              <a:t>2/13/20</a:t>
+              <a:t>2/15/21</a:t>
             </a:fld>
             <a:endParaRPr lang="en-US"/>
           </a:p>
@@ -2172,7 +2172,7 @@
           <a:p>
             <a:fld id="{B99DC7AF-117D-0D44-9887-15AB809462D7}" type="datetimeFigureOut">
               <a:rPr lang="en-US" smtClean="0"/>
-              <a:t>2/13/20</a:t>
+              <a:t>2/15/21</a:t>
             </a:fld>
             <a:endParaRPr lang="en-US"/>
           </a:p>
@@ -2447,7 +2447,7 @@
           <a:p>
             <a:fld id="{B99DC7AF-117D-0D44-9887-15AB809462D7}" type="datetimeFigureOut">
               <a:rPr lang="en-US" smtClean="0"/>
-              <a:t>2/13/20</a:t>
+              <a:t>2/15/21</a:t>
             </a:fld>
             <a:endParaRPr lang="en-US"/>
           </a:p>
@@ -2699,7 +2699,7 @@
           <a:p>
             <a:fld id="{B99DC7AF-117D-0D44-9887-15AB809462D7}" type="datetimeFigureOut">
               <a:rPr lang="en-US" smtClean="0"/>
-              <a:t>2/13/20</a:t>
+              <a:t>2/15/21</a:t>
             </a:fld>
             <a:endParaRPr lang="en-US"/>
           </a:p>
@@ -2910,7 +2910,7 @@
           <a:p>
             <a:fld id="{B99DC7AF-117D-0D44-9887-15AB809462D7}" type="datetimeFigureOut">
               <a:rPr lang="en-US" smtClean="0"/>
-              <a:t>2/13/20</a:t>
+              <a:t>2/15/21</a:t>
             </a:fld>
             <a:endParaRPr lang="en-US"/>
           </a:p>
@@ -3855,8 +3855,8 @@
         </p:nvSpPr>
         <p:spPr>
           <a:xfrm>
-            <a:off x="10778844" y="43003"/>
-            <a:ext cx="1427015" cy="307777"/>
+            <a:off x="0" y="0"/>
+            <a:ext cx="1992923" cy="369332"/>
           </a:xfrm>
           <a:prstGeom prst="rect">
             <a:avLst/>
@@ -3870,14 +3870,26 @@
           <a:lstStyle/>
           <a:p>
             <a:r>
-              <a:rPr lang="en-US" sz="1400" dirty="0"/>
+              <a:rPr lang="en-US" b="1" dirty="0">
+                <a:solidFill>
+                  <a:srgbClr val="0070C0"/>
+                </a:solidFill>
+              </a:rPr>
               <a:t>From Jeff </a:t>
             </a:r>
             <a:r>
-              <a:rPr lang="en-US" sz="1400" dirty="0" err="1"/>
+              <a:rPr lang="en-US" b="1" dirty="0" err="1">
+                <a:solidFill>
+                  <a:srgbClr val="0070C0"/>
+                </a:solidFill>
+              </a:rPr>
               <a:t>Novick</a:t>
             </a:r>
-            <a:endParaRPr lang="en-US" sz="1400" dirty="0"/>
+            <a:endParaRPr lang="en-US" b="1" dirty="0">
+              <a:solidFill>
+                <a:srgbClr val="0070C0"/>
+              </a:solidFill>
+            </a:endParaRPr>
           </a:p>
         </p:txBody>
       </p:sp>
@@ -3920,7 +3932,7 @@
         <p:spPr>
           <a:xfrm>
             <a:off x="152405" y="0"/>
-            <a:ext cx="11471564" cy="7171194"/>
+            <a:ext cx="11471564" cy="6771084"/>
           </a:xfrm>
           <a:prstGeom prst="rect">
             <a:avLst/>
@@ -3952,7 +3964,19 @@
             </a:br>
             <a:r>
               <a:rPr lang="en-US" sz="1600" dirty="0"/>
-              <a:t>Okinawa is one of “Blue Zones” </a:t>
+              <a:t>Okinawa is one of “</a:t>
+            </a:r>
+            <a:r>
+              <a:rPr lang="en-US" sz="1600" b="1" dirty="0">
+                <a:solidFill>
+                  <a:srgbClr val="0070C0"/>
+                </a:solidFill>
+              </a:rPr>
+              <a:t>Blue Zones</a:t>
+            </a:r>
+            <a:r>
+              <a:rPr lang="en-US" sz="1600" dirty="0"/>
+              <a:t>” </a:t>
             </a:r>
             <a:r>
               <a:rPr lang="mr-IN" sz="1600" dirty="0"/>
@@ -4015,7 +4039,37 @@
                   </a:schemeClr>
                 </a:solidFill>
               </a:rPr>
-              <a:t>What is the magic of the “old diet? In short, the Okinawans circa 1950 ate mostly sweet potatoes, with some rice, legumes, and other grains. Of the 1262 grams of food per day:  849-sweet potato, 154-rice, 71-legumes, 38-grains, 150-everything else.</a:t>
+              <a:t>What is the magic of the “old diet? </a:t>
+            </a:r>
+          </a:p>
+          <a:p>
+            <a:r>
+              <a:rPr lang="en-US" sz="1600" b="1" dirty="0">
+                <a:solidFill>
+                  <a:schemeClr val="accent2">
+                    <a:lumMod val="75000"/>
+                  </a:schemeClr>
+                </a:solidFill>
+              </a:rPr>
+              <a:t>In short, the Okinawans circa 1950 ate </a:t>
+            </a:r>
+            <a:r>
+              <a:rPr lang="en-US" sz="1600" b="1" dirty="0">
+                <a:solidFill>
+                  <a:srgbClr val="00B050"/>
+                </a:solidFill>
+              </a:rPr>
+              <a:t>mostly sweet potatoes, with some rice, legumes, and other grains</a:t>
+            </a:r>
+            <a:r>
+              <a:rPr lang="en-US" sz="1600" b="1" dirty="0">
+                <a:solidFill>
+                  <a:schemeClr val="accent2">
+                    <a:lumMod val="75000"/>
+                  </a:schemeClr>
+                </a:solidFill>
+              </a:rPr>
+              <a:t>. Of the 1262 grams of food per day:  849-sweet potato, 154-rice, 71-legumes, 38-grains, 150-everything else.</a:t>
             </a:r>
           </a:p>
           <a:p>
@@ -4026,86 +4080,90 @@
           </a:p>
           <a:p>
             <a:r>
+              <a:rPr lang="en-US" sz="1400" dirty="0"/>
+              <a:t> - fewer total calories (1785 vs. 2068), </a:t>
+            </a:r>
+          </a:p>
+          <a:p>
+            <a:r>
+              <a:rPr lang="en-US" sz="1400" dirty="0"/>
+              <a:t> - less polyunsaturated fat (4.8% of calories vs. 8%), </a:t>
+            </a:r>
+          </a:p>
+          <a:p>
+            <a:r>
+              <a:rPr lang="en-US" sz="1400" dirty="0"/>
+              <a:t> - less rice (154g vs. 328g), </a:t>
+            </a:r>
+          </a:p>
+          <a:p>
+            <a:r>
+              <a:rPr lang="en-US" sz="1400" dirty="0"/>
+              <a:t> - significantly less wheat, barley and other grains (38g vs. 153g), </a:t>
+            </a:r>
+          </a:p>
+          <a:p>
+            <a:r>
+              <a:rPr lang="en-US" sz="1400" dirty="0"/>
+              <a:t> - less sugars (3g vs. 8g), </a:t>
+            </a:r>
+          </a:p>
+          <a:p>
+            <a:r>
+              <a:rPr lang="en-US" sz="1400" dirty="0"/>
+              <a:t> - more legumes (71g vs. 55g), </a:t>
+            </a:r>
+          </a:p>
+          <a:p>
+            <a:r>
+              <a:rPr lang="en-US" sz="1400" dirty="0"/>
+              <a:t> - significantly less fish (15g vs. 62g), </a:t>
+            </a:r>
+          </a:p>
+          <a:p>
+            <a:r>
+              <a:rPr lang="en-US" sz="1400" dirty="0"/>
+              <a:t> - significantly less meat and poultry (3g vs. 11g), </a:t>
+            </a:r>
+          </a:p>
+          <a:p>
+            <a:r>
+              <a:rPr lang="en-US" sz="1400" dirty="0"/>
+              <a:t> - less eggs (1g vs. 7g), </a:t>
+            </a:r>
+          </a:p>
+          <a:p>
+            <a:r>
+              <a:rPr lang="en-US" sz="1400" dirty="0"/>
+              <a:t> - less dairy (&lt;1g vs. 8g), </a:t>
+            </a:r>
+          </a:p>
+          <a:p>
+            <a:r>
+              <a:rPr lang="en-US" sz="1400" dirty="0"/>
+              <a:t> - much more sweet potatoes (849g vs. 66g), </a:t>
+            </a:r>
+          </a:p>
+          <a:p>
+            <a:r>
+              <a:rPr lang="en-US" sz="1400" dirty="0"/>
+              <a:t> - less other potatoes (2g vs. 47g), </a:t>
+            </a:r>
+          </a:p>
+          <a:p>
+            <a:r>
+              <a:rPr lang="en-US" sz="1400" dirty="0"/>
+              <a:t> - less fruit (&lt;1g vs. 44g), </a:t>
+            </a:r>
+          </a:p>
+          <a:p>
+            <a:r>
+              <a:rPr lang="en-US" sz="1400" dirty="0"/>
+              <a:t> - and no pickled vegetables (0g vs. 42g). [4]</a:t>
+            </a:r>
+            <a:r>
               <a:rPr lang="en-US" sz="1600" dirty="0"/>
-              <a:t> - fewer total calories (1785 vs. 2068), </a:t>
-            </a:r>
-          </a:p>
-          <a:p>
-            <a:r>
-              <a:rPr lang="en-US" sz="1600" dirty="0"/>
-              <a:t> - less polyunsaturated fat (4.8% of calories vs. 8%), </a:t>
-            </a:r>
-          </a:p>
-          <a:p>
-            <a:r>
-              <a:rPr lang="en-US" sz="1600" dirty="0"/>
-              <a:t> - less rice (154g vs. 328g), </a:t>
-            </a:r>
-          </a:p>
-          <a:p>
-            <a:r>
-              <a:rPr lang="en-US" sz="1600" dirty="0"/>
-              <a:t> - significantly less wheat, barley and other grains (38g vs. 153g), </a:t>
-            </a:r>
-          </a:p>
-          <a:p>
-            <a:r>
-              <a:rPr lang="en-US" sz="1600" dirty="0"/>
-              <a:t> - less sugars (3g vs. 8g), </a:t>
-            </a:r>
-          </a:p>
-          <a:p>
-            <a:r>
-              <a:rPr lang="en-US" sz="1600" dirty="0"/>
-              <a:t> - more legumes (71g vs. 55g), </a:t>
-            </a:r>
-          </a:p>
-          <a:p>
-            <a:r>
-              <a:rPr lang="en-US" sz="1600" dirty="0"/>
-              <a:t> - significantly less fish (15g vs. 62g), </a:t>
-            </a:r>
-          </a:p>
-          <a:p>
-            <a:r>
-              <a:rPr lang="en-US" sz="1600" dirty="0"/>
-              <a:t> - significantly less meat and poultry (3g vs. 11g), </a:t>
-            </a:r>
-          </a:p>
-          <a:p>
-            <a:r>
-              <a:rPr lang="en-US" sz="1600" dirty="0"/>
-              <a:t> - less eggs (1g vs. 7g), </a:t>
-            </a:r>
-          </a:p>
-          <a:p>
-            <a:r>
-              <a:rPr lang="en-US" sz="1600" dirty="0"/>
-              <a:t> - less dairy (&lt;1g vs. 8g), </a:t>
-            </a:r>
-          </a:p>
-          <a:p>
-            <a:r>
-              <a:rPr lang="en-US" sz="1600" dirty="0"/>
-              <a:t> - much more sweet potatoes (849g vs. 66g), </a:t>
-            </a:r>
-          </a:p>
-          <a:p>
-            <a:r>
-              <a:rPr lang="en-US" sz="1600" dirty="0"/>
-              <a:t> - less other potatoes (2g vs. 47g), </a:t>
-            </a:r>
-          </a:p>
-          <a:p>
-            <a:r>
-              <a:rPr lang="en-US" sz="1600" dirty="0"/>
-              <a:t> - less fruit (&lt;1g vs. 44g), </a:t>
-            </a:r>
-          </a:p>
-          <a:p>
-            <a:r>
-              <a:rPr lang="en-US" sz="1600" dirty="0"/>
-              <a:t> - and no pickled vegetables (0g vs. 42g). [4] </a:t>
+              <a:t> </a:t>
             </a:r>
           </a:p>
         </p:txBody>
@@ -5827,15 +5885,7 @@
           <a:p>
             <a:r>
               <a:rPr lang="en-US" dirty="0"/>
-              <a:t>You eat “modern” food (something sweet, </a:t>
-            </a:r>
-            <a:r>
-              <a:rPr lang="en-US" dirty="0" err="1"/>
-              <a:t>bread,burger</a:t>
-            </a:r>
-            <a:r>
-              <a:rPr lang="en-US" dirty="0"/>
-              <a:t>, etc.), it causes strong spike of sugars in your  blood, you feel better</a:t>
+              <a:t>You eat “modern” food (something sweet, bread, burger, etc.), it causes strong spike of sugars in your  blood, you feel better</a:t>
             </a:r>
           </a:p>
         </p:txBody>
@@ -5971,7 +6021,7 @@
         <p:spPr>
           <a:xfrm>
             <a:off x="196769" y="-137263"/>
-            <a:ext cx="5436296" cy="584775"/>
+            <a:ext cx="5164812" cy="584775"/>
           </a:xfrm>
           <a:prstGeom prst="rect">
             <a:avLst/>
@@ -5985,12 +6035,8 @@
           <a:lstStyle/>
           <a:p>
             <a:r>
-              <a:rPr lang="en-US" sz="3200" b="1" dirty="0" err="1"/>
-              <a:t>Maraphoner</a:t>
-            </a:r>
-            <a:r>
               <a:rPr lang="en-US" sz="3200" b="1" dirty="0"/>
-              <a:t> and sweet water</a:t>
+              <a:t>Marathoner and sweet water</a:t>
             </a:r>
           </a:p>
         </p:txBody>
@@ -6024,22 +6070,18 @@
           <a:lstStyle/>
           <a:p>
             <a:r>
+              <a:rPr lang="en-US" b="1" dirty="0">
+                <a:solidFill>
+                  <a:srgbClr val="0070C0"/>
+                </a:solidFill>
+              </a:rPr>
+              <a:t>Do not eat to get energy from food. </a:t>
+            </a:r>
+          </a:p>
+          <a:p>
+            <a:r>
               <a:rPr lang="en-US" dirty="0"/>
-              <a:t>Do not eat to get energy from food. </a:t>
-            </a:r>
-          </a:p>
-          <a:p>
-            <a:r>
-              <a:rPr lang="en-US" dirty="0"/>
-              <a:t>Instead do something to give your body time to switch gears to start using your internal energy. Like </a:t>
-            </a:r>
-            <a:r>
-              <a:rPr lang="en-US" dirty="0" err="1"/>
-              <a:t>maraphoner</a:t>
-            </a:r>
-            <a:r>
-              <a:rPr lang="en-US" dirty="0"/>
-              <a:t>. Eat a fruit or salad, drink water (or salt water ?), walk, breathe, wait 15 min. </a:t>
+              <a:t>Instead do something to give your body time to switch gears to start using your internal energy. Like marathoner. Eat a fruit or salad, drink water (or salt water ?), walk, breathe, wait 15 min. </a:t>
             </a:r>
           </a:p>
           <a:p>
@@ -6063,13 +6105,29 @@
           <a:p>
             <a:r>
               <a:rPr lang="en-US" dirty="0"/>
-              <a:t>Why you need to eat? Habits? Social reasons? You don’t need to eat much to get energy. But you need to get vitamins, minerals, some microelements. So eat berries, fruits, vegetables, legumes. Don’t be afraid of not eating. Body can use its own storage for energy. Remember that the longest fast was </a:t>
-            </a:r>
-            <a:r>
-              <a:rPr lang="x-none" altLang="x-none"/>
+              <a:t>Why you need to eat? Habits? Social reasons? You don’t need to eat much to get energy. But you need to get vitamins, minerals, some microelements. So eat berries, fruits, vegetables, legumes. Don’t be afraid of not eating. Body can use its own storage for energy. </a:t>
+            </a:r>
+            <a:r>
+              <a:rPr lang="en-US" b="1" dirty="0">
+                <a:solidFill>
+                  <a:srgbClr val="0070C0"/>
+                </a:solidFill>
+              </a:rPr>
+              <a:t>Remember that the longest fast was </a:t>
+            </a:r>
+            <a:r>
+              <a:rPr lang="x-none" altLang="x-none" b="1">
+                <a:solidFill>
+                  <a:srgbClr val="0070C0"/>
+                </a:solidFill>
+              </a:rPr>
               <a:t>382 days ! </a:t>
             </a:r>
-            <a:endParaRPr lang="en-US" dirty="0"/>
+            <a:endParaRPr lang="en-US" b="1" dirty="0">
+              <a:solidFill>
+                <a:srgbClr val="0070C0"/>
+              </a:solidFill>
+            </a:endParaRPr>
           </a:p>
           <a:p>
             <a:endParaRPr lang="en-US" dirty="0"/>
@@ -6165,15 +6223,7 @@
           <a:p>
             <a:r>
               <a:rPr lang="en-US" dirty="0"/>
-              <a:t>Should a marathon runner add sugars into water in the middle of the race to get more energy? No, No, No !!! The drink will not contain enough energy and will not be metabolized fast enough. But the sugar in it will be interpreted by the body as a signal to shut down the process of getting energy from internal sources (fat). The </a:t>
-            </a:r>
-            <a:r>
-              <a:rPr lang="en-US" dirty="0" err="1"/>
-              <a:t>maraphoner</a:t>
-            </a:r>
-            <a:r>
-              <a:rPr lang="en-US" dirty="0"/>
-              <a:t> will feel more tired and can crash.</a:t>
+              <a:t>Should a marathon runner add sugars into water in the middle of the race to get more energy? No, No, No !!! The drink will not contain enough energy and will not be metabolized fast enough. But the sugar in it will be interpreted by the body as a signal to shut down the process of getting energy from internal sources (fat). The marathoner will feel more tired and can crash.</a:t>
             </a:r>
           </a:p>
         </p:txBody>
@@ -6718,7 +6768,10 @@
               </a:spcAft>
             </a:pPr>
             <a:r>
-              <a:rPr lang="en-US" altLang="x-none" sz="1400" dirty="0">
+              <a:rPr lang="en-US" altLang="x-none" sz="1400" b="1" dirty="0">
+                <a:solidFill>
+                  <a:srgbClr val="0070C0"/>
+                </a:solidFill>
                 <a:latin typeface="Arial" charset="0"/>
               </a:rPr>
               <a:t>Yes, no oil, not even olive oil, etc.</a:t>
@@ -8965,7 +9018,33 @@
                 <a:effectLst/>
                 <a:latin typeface="Arial" charset="0"/>
               </a:rPr>
-              <a:t>", which is associated with "Bright Line Eating". </a:t>
+              <a:t>", which is associated with "</a:t>
+            </a:r>
+            <a:r>
+              <a:rPr kumimoji="0" lang="x-none" altLang="x-none" sz="1600" b="1" i="0" u="none" strike="noStrike" cap="none" normalizeH="0" baseline="0" dirty="0">
+                <a:ln>
+                  <a:noFill/>
+                </a:ln>
+                <a:solidFill>
+                  <a:srgbClr val="0070C0"/>
+                </a:solidFill>
+                <a:effectLst/>
+                <a:latin typeface="Arial" charset="0"/>
+              </a:rPr>
+              <a:t>Bright Line Eating</a:t>
+            </a:r>
+            <a:r>
+              <a:rPr kumimoji="0" lang="x-none" altLang="x-none" sz="1600" b="0" i="0" u="none" strike="noStrike" cap="none" normalizeH="0" baseline="0" dirty="0">
+                <a:ln>
+                  <a:noFill/>
+                </a:ln>
+                <a:solidFill>
+                  <a:schemeClr val="tx1"/>
+                </a:solidFill>
+                <a:effectLst/>
+                <a:latin typeface="Arial" charset="0"/>
+              </a:rPr>
+              <a:t>". </a:t>
             </a:r>
             <a:br>
               <a:rPr kumimoji="0" lang="x-none" altLang="x-none" sz="1600" b="0" i="0" u="none" strike="noStrike" cap="none" normalizeH="0" baseline="0">
@@ -9970,7 +10049,11 @@
               <a:t> – “</a:t>
             </a:r>
             <a:r>
-              <a:rPr lang="en-US" altLang="x-none" dirty="0" err="1"/>
+              <a:rPr lang="en-US" altLang="x-none" b="1" dirty="0" err="1">
+                <a:solidFill>
+                  <a:srgbClr val="0070C0"/>
+                </a:solidFill>
+              </a:rPr>
               <a:t>NutritionFacts.org</a:t>
             </a:r>
             <a:r>
@@ -10009,7 +10092,19 @@
             </a:r>
             <a:r>
               <a:rPr lang="en-US" dirty="0"/>
-              <a:t> – “Mic the Vegan” </a:t>
+              <a:t> – “</a:t>
+            </a:r>
+            <a:r>
+              <a:rPr lang="en-US" b="1" dirty="0">
+                <a:solidFill>
+                  <a:srgbClr val="0070C0"/>
+                </a:solidFill>
+              </a:rPr>
+              <a:t>Mic the Vegan</a:t>
+            </a:r>
+            <a:r>
+              <a:rPr lang="en-US" dirty="0"/>
+              <a:t>” </a:t>
             </a:r>
             <a:br>
               <a:rPr lang="x-none" altLang="x-none"/>
@@ -10370,7 +10465,7 @@
         <p:spPr>
           <a:xfrm>
             <a:off x="102755" y="0"/>
-            <a:ext cx="10490200" cy="5676900"/>
+            <a:ext cx="10493016" cy="5678424"/>
           </a:xfrm>
           <a:prstGeom prst="rect">
             <a:avLst/>
